--- a/ppts/0003 Conditions and if statements with Python.pptx
+++ b/ppts/0003 Conditions and if statements with Python.pptx
@@ -350,7 +350,7 @@
           <a:p>
             <a:fld id="{319FF5C0-A588-473C-BC0B-4E0DC8FFAC0A}" type="datetimeFigureOut">
               <a:rPr lang="en-PH" smtClean="0"/>
-              <a:t>15/02/2023</a:t>
+              <a:t>02/10/2023</a:t>
             </a:fld>
             <a:endParaRPr lang="en-PH"/>
           </a:p>
@@ -550,7 +550,7 @@
           <a:p>
             <a:fld id="{319FF5C0-A588-473C-BC0B-4E0DC8FFAC0A}" type="datetimeFigureOut">
               <a:rPr lang="en-PH" smtClean="0"/>
-              <a:t>15/02/2023</a:t>
+              <a:t>02/10/2023</a:t>
             </a:fld>
             <a:endParaRPr lang="en-PH"/>
           </a:p>
@@ -760,7 +760,7 @@
           <a:p>
             <a:fld id="{319FF5C0-A588-473C-BC0B-4E0DC8FFAC0A}" type="datetimeFigureOut">
               <a:rPr lang="en-PH" smtClean="0"/>
-              <a:t>15/02/2023</a:t>
+              <a:t>02/10/2023</a:t>
             </a:fld>
             <a:endParaRPr lang="en-PH"/>
           </a:p>
@@ -960,7 +960,7 @@
           <a:p>
             <a:fld id="{319FF5C0-A588-473C-BC0B-4E0DC8FFAC0A}" type="datetimeFigureOut">
               <a:rPr lang="en-PH" smtClean="0"/>
-              <a:t>15/02/2023</a:t>
+              <a:t>02/10/2023</a:t>
             </a:fld>
             <a:endParaRPr lang="en-PH"/>
           </a:p>
@@ -1236,7 +1236,7 @@
           <a:p>
             <a:fld id="{319FF5C0-A588-473C-BC0B-4E0DC8FFAC0A}" type="datetimeFigureOut">
               <a:rPr lang="en-PH" smtClean="0"/>
-              <a:t>15/02/2023</a:t>
+              <a:t>02/10/2023</a:t>
             </a:fld>
             <a:endParaRPr lang="en-PH"/>
           </a:p>
@@ -1504,7 +1504,7 @@
           <a:p>
             <a:fld id="{319FF5C0-A588-473C-BC0B-4E0DC8FFAC0A}" type="datetimeFigureOut">
               <a:rPr lang="en-PH" smtClean="0"/>
-              <a:t>15/02/2023</a:t>
+              <a:t>02/10/2023</a:t>
             </a:fld>
             <a:endParaRPr lang="en-PH"/>
           </a:p>
@@ -1919,7 +1919,7 @@
           <a:p>
             <a:fld id="{319FF5C0-A588-473C-BC0B-4E0DC8FFAC0A}" type="datetimeFigureOut">
               <a:rPr lang="en-PH" smtClean="0"/>
-              <a:t>15/02/2023</a:t>
+              <a:t>02/10/2023</a:t>
             </a:fld>
             <a:endParaRPr lang="en-PH"/>
           </a:p>
@@ -2061,7 +2061,7 @@
           <a:p>
             <a:fld id="{319FF5C0-A588-473C-BC0B-4E0DC8FFAC0A}" type="datetimeFigureOut">
               <a:rPr lang="en-PH" smtClean="0"/>
-              <a:t>15/02/2023</a:t>
+              <a:t>02/10/2023</a:t>
             </a:fld>
             <a:endParaRPr lang="en-PH"/>
           </a:p>
@@ -2174,7 +2174,7 @@
           <a:p>
             <a:fld id="{319FF5C0-A588-473C-BC0B-4E0DC8FFAC0A}" type="datetimeFigureOut">
               <a:rPr lang="en-PH" smtClean="0"/>
-              <a:t>15/02/2023</a:t>
+              <a:t>02/10/2023</a:t>
             </a:fld>
             <a:endParaRPr lang="en-PH"/>
           </a:p>
@@ -2487,7 +2487,7 @@
           <a:p>
             <a:fld id="{319FF5C0-A588-473C-BC0B-4E0DC8FFAC0A}" type="datetimeFigureOut">
               <a:rPr lang="en-PH" smtClean="0"/>
-              <a:t>15/02/2023</a:t>
+              <a:t>02/10/2023</a:t>
             </a:fld>
             <a:endParaRPr lang="en-PH"/>
           </a:p>
@@ -2776,7 +2776,7 @@
           <a:p>
             <a:fld id="{319FF5C0-A588-473C-BC0B-4E0DC8FFAC0A}" type="datetimeFigureOut">
               <a:rPr lang="en-PH" smtClean="0"/>
-              <a:t>15/02/2023</a:t>
+              <a:t>02/10/2023</a:t>
             </a:fld>
             <a:endParaRPr lang="en-PH"/>
           </a:p>
@@ -3019,7 +3019,7 @@
           <a:p>
             <a:fld id="{319FF5C0-A588-473C-BC0B-4E0DC8FFAC0A}" type="datetimeFigureOut">
               <a:rPr lang="en-PH" smtClean="0"/>
-              <a:t>15/02/2023</a:t>
+              <a:t>02/10/2023</a:t>
             </a:fld>
             <a:endParaRPr lang="en-PH"/>
           </a:p>
@@ -3494,6 +3494,10 @@
           <a:bodyPr/>
           <a:lstStyle/>
           <a:p>
+            <a:r>
+              <a:rPr lang="en-US"/>
+              <a:t>Week 3</a:t>
+            </a:r>
             <a:endParaRPr lang="en-PH"/>
           </a:p>
         </p:txBody>
